--- a/01 Classes/Aulas 07 e 08 Conceitos de Validação Software e TDD.pptx
+++ b/01 Classes/Aulas 07 e 08 Conceitos de Validação Software e TDD.pptx
@@ -5,7 +5,7 @@
     <p:sldMasterId id="2147483648" r:id="rId1"/>
   </p:sldMasterIdLst>
   <p:notesMasterIdLst>
-    <p:notesMasterId r:id="rId37"/>
+    <p:notesMasterId r:id="rId38"/>
   </p:notesMasterIdLst>
   <p:sldIdLst>
     <p:sldId id="256" r:id="rId2"/>
@@ -42,7 +42,8 @@
     <p:sldId id="406" r:id="rId33"/>
     <p:sldId id="410" r:id="rId34"/>
     <p:sldId id="411" r:id="rId35"/>
-    <p:sldId id="309" r:id="rId36"/>
+    <p:sldId id="412" r:id="rId36"/>
+    <p:sldId id="309" r:id="rId37"/>
   </p:sldIdLst>
   <p:sldSz cx="9144000" cy="5143500" type="screen16x9"/>
   <p:notesSz cx="6858000" cy="9144000"/>
@@ -2107,6 +2108,72 @@
         </p:txBody>
       </p:sp>
     </p:spTree>
+  </p:cSld>
+  <p:clrMapOvr>
+    <a:masterClrMapping/>
+  </p:clrMapOvr>
+</p:notes>
+</file>
+
+<file path=ppt/notesSlides/notesSlide33.xml><?xml version="1.0" encoding="utf-8"?>
+<p:notes xmlns:a="http://schemas.openxmlformats.org/drawingml/2006/main" xmlns:r="http://schemas.openxmlformats.org/officeDocument/2006/relationships" xmlns:p="http://schemas.openxmlformats.org/presentationml/2006/main">
+  <p:cSld>
+    <p:spTree>
+      <p:nvGrpSpPr>
+        <p:cNvPr id="1" name=""/>
+        <p:cNvGrpSpPr/>
+        <p:nvPr/>
+      </p:nvGrpSpPr>
+      <p:grpSpPr>
+        <a:xfrm>
+          <a:off x="0" y="0"/>
+          <a:ext cx="0" cy="0"/>
+          <a:chOff x="0" y="0"/>
+          <a:chExt cx="0" cy="0"/>
+        </a:xfrm>
+      </p:grpSpPr>
+      <p:sp>
+        <p:nvSpPr>
+          <p:cNvPr id="2" name="Espaço Reservado para Imagem de Slide 1"/>
+          <p:cNvSpPr>
+            <a:spLocks noGrp="1" noRot="1" noChangeAspect="1"/>
+          </p:cNvSpPr>
+          <p:nvPr>
+            <p:ph type="sldImg"/>
+          </p:nvPr>
+        </p:nvSpPr>
+        <p:spPr>
+          <a:xfrm>
+            <a:off x="381000" y="685800"/>
+            <a:ext cx="6096000" cy="3429000"/>
+          </a:xfrm>
+        </p:spPr>
+      </p:sp>
+      <p:sp>
+        <p:nvSpPr>
+          <p:cNvPr id="3" name="Espaço Reservado para Anotações 2"/>
+          <p:cNvSpPr>
+            <a:spLocks noGrp="1"/>
+          </p:cNvSpPr>
+          <p:nvPr>
+            <p:ph type="body" idx="1"/>
+          </p:nvPr>
+        </p:nvSpPr>
+        <p:spPr/>
+        <p:txBody>
+          <a:bodyPr/>
+          <a:lstStyle/>
+          <a:p>
+            <a:endParaRPr lang="pt-BR" dirty="0"/>
+          </a:p>
+        </p:txBody>
+      </p:sp>
+    </p:spTree>
+    <p:extLst>
+      <p:ext uri="{BB962C8B-B14F-4D97-AF65-F5344CB8AC3E}">
+        <p14:creationId xmlns:p14="http://schemas.microsoft.com/office/powerpoint/2010/main" val="3191014874"/>
+      </p:ext>
+    </p:extLst>
   </p:cSld>
   <p:clrMapOvr>
     <a:masterClrMapping/>
@@ -11408,8 +11475,8 @@
         </p:nvSpPr>
         <p:spPr>
           <a:xfrm>
-            <a:off x="404800" y="1001841"/>
-            <a:ext cx="8572500" cy="3955922"/>
+            <a:off x="404800" y="1154241"/>
+            <a:ext cx="8572500" cy="3733924"/>
           </a:xfrm>
           <a:prstGeom prst="rect">
             <a:avLst/>
@@ -15424,12 +15491,20 @@
               <a:t>: O </a:t>
             </a:r>
             <a:r>
-              <a:rPr lang="pt-BR" sz="2400" dirty="0" err="1"/>
+              <a:rPr lang="pt-BR" sz="2400" b="1" dirty="0" err="1"/>
               <a:t>JUnit</a:t>
             </a:r>
             <a:r>
               <a:rPr lang="pt-BR" sz="2400" dirty="0"/>
-              <a:t> é um framework de teste para Java, que permite a criação de testes unitários. Além disso, está disponível como plug-in para os mais diversos IDE'S como Eclipse, </a:t>
+              <a:t> é um framework de teste para </a:t>
+            </a:r>
+            <a:r>
+              <a:rPr lang="pt-BR" sz="2400" b="1" dirty="0"/>
+              <a:t>Java</a:t>
+            </a:r>
+            <a:r>
+              <a:rPr lang="pt-BR" sz="2400" dirty="0"/>
+              <a:t>, que permite a criação de testes unitários. Além disso, está disponível como plug-in para os mais diversos IDE'S como Eclipse, </a:t>
             </a:r>
             <a:r>
               <a:rPr lang="pt-BR" sz="2400" dirty="0" err="1"/>
@@ -18691,12 +18766,36 @@
           <a:lstStyle/>
           <a:p>
             <a:r>
+              <a:rPr lang="en-US" b="1" dirty="0" err="1">
+                <a:solidFill>
+                  <a:srgbClr val="0070C0"/>
+                </a:solidFill>
+              </a:rPr>
+              <a:t>Leitura</a:t>
+            </a:r>
+            <a:r>
               <a:rPr lang="en-US" b="1" dirty="0">
                 <a:solidFill>
                   <a:srgbClr val="0070C0"/>
                 </a:solidFill>
               </a:rPr>
-              <a:t>TDD - </a:t>
+              <a:t> </a:t>
+            </a:r>
+            <a:r>
+              <a:rPr lang="en-US" b="1" dirty="0" err="1">
+                <a:solidFill>
+                  <a:srgbClr val="0070C0"/>
+                </a:solidFill>
+              </a:rPr>
+              <a:t>Específica</a:t>
+            </a:r>
+            <a:r>
+              <a:rPr lang="en-US" b="1" dirty="0">
+                <a:solidFill>
+                  <a:srgbClr val="0070C0"/>
+                </a:solidFill>
+              </a:rPr>
+              <a:t> TDD - </a:t>
             </a:r>
             <a:r>
               <a:rPr lang="en-US" b="1" dirty="0" err="1">
@@ -18726,8 +18825,8 @@
         </p:nvSpPr>
         <p:spPr>
           <a:xfrm>
-            <a:off x="157152" y="1001841"/>
-            <a:ext cx="8815396" cy="3809475"/>
+            <a:off x="157152" y="1243141"/>
+            <a:ext cx="8815396" cy="3493959"/>
           </a:xfrm>
         </p:spPr>
         <p:txBody>
@@ -18736,63 +18835,76 @@
           </a:bodyPr>
           <a:lstStyle/>
           <a:p>
-            <a:pPr marL="0" indent="0" algn="just">
-              <a:buNone/>
+            <a:pPr marL="457200" indent="-457200" algn="just">
+              <a:buFont typeface="+mj-lt"/>
+              <a:buAutoNum type="arabicPeriod"/>
             </a:pPr>
             <a:r>
-              <a:rPr lang="pt-BR" sz="2400" dirty="0"/>
-              <a:t>1. (Java com </a:t>
-            </a:r>
-            <a:r>
-              <a:rPr lang="pt-BR" sz="2400" dirty="0" err="1"/>
-              <a:t>JUnit</a:t>
-            </a:r>
-            <a:r>
-              <a:rPr lang="pt-BR" sz="2400" dirty="0"/>
-              <a:t>)</a:t>
-            </a:r>
-          </a:p>
-          <a:p>
-            <a:pPr marL="0" indent="0" algn="just">
-              <a:buNone/>
-            </a:pPr>
-            <a:r>
               <a:rPr lang="pt-BR" sz="2400" dirty="0">
+                <a:latin typeface="Arial" panose="020B0604020202020204" pitchFamily="34" charset="0"/>
+                <a:cs typeface="Arial" panose="020B0604020202020204" pitchFamily="34" charset="0"/>
                 <a:hlinkClick r:id="rId3"/>
               </a:rPr>
-              <a:t>https://www.youtube.com/watch?v=G7S5JMj8vY4</a:t>
-            </a:r>
-            <a:endParaRPr lang="pt-BR" sz="2400" dirty="0"/>
-          </a:p>
-          <a:p>
-            <a:pPr marL="0" indent="0" algn="just">
-              <a:buNone/>
+              <a:t>https://www.devmedia.com.br/qualidade-de-codigo-com-ddd-e-tdd/33613</a:t>
+            </a:r>
+            <a:endParaRPr lang="pt-BR" sz="2400" dirty="0">
+              <a:latin typeface="Arial" panose="020B0604020202020204" pitchFamily="34" charset="0"/>
+              <a:cs typeface="Arial" panose="020B0604020202020204" pitchFamily="34" charset="0"/>
+            </a:endParaRPr>
+          </a:p>
+          <a:p>
+            <a:pPr marL="457200" indent="-457200" algn="just">
+              <a:buFont typeface="+mj-lt"/>
+              <a:buAutoNum type="arabicPeriod"/>
             </a:pPr>
-            <a:endParaRPr lang="pt-BR" sz="2400" dirty="0"/>
-          </a:p>
-          <a:p>
-            <a:pPr marL="0" indent="0" algn="just">
-              <a:buNone/>
+            <a:endParaRPr lang="pt-BR" sz="2400" dirty="0">
+              <a:latin typeface="Arial" panose="020B0604020202020204" pitchFamily="34" charset="0"/>
+              <a:cs typeface="Arial" panose="020B0604020202020204" pitchFamily="34" charset="0"/>
+            </a:endParaRPr>
+          </a:p>
+          <a:p>
+            <a:pPr marL="457200" indent="-457200" algn="just">
+              <a:buFont typeface="+mj-lt"/>
+              <a:buAutoNum type="arabicPeriod"/>
             </a:pPr>
             <a:r>
-              <a:rPr lang="pt-BR" sz="2400" dirty="0"/>
-              <a:t>2. (</a:t>
-            </a:r>
-            <a:r>
-              <a:rPr lang="pt-BR" sz="2400"/>
-              <a:t>Java)	</a:t>
-            </a:r>
-            <a:endParaRPr lang="pt-BR" sz="2400" dirty="0"/>
-          </a:p>
-          <a:p>
-            <a:pPr marL="0" indent="0" algn="just">
-              <a:buNone/>
-            </a:pPr>
-            <a:r>
               <a:rPr lang="pt-BR" sz="2400" dirty="0">
+                <a:latin typeface="Arial" panose="020B0604020202020204" pitchFamily="34" charset="0"/>
+                <a:cs typeface="Arial" panose="020B0604020202020204" pitchFamily="34" charset="0"/>
                 <a:hlinkClick r:id="rId4"/>
               </a:rPr>
-              <a:t>https://www.youtube.com/watch?v=wvwwR8_nnNA</a:t>
+              <a:t>https://gaea.com.br/tdd-bdd-ddd/</a:t>
+            </a:r>
+            <a:r>
+              <a:rPr lang="pt-BR" sz="2400" dirty="0">
+                <a:latin typeface="Arial" panose="020B0604020202020204" pitchFamily="34" charset="0"/>
+                <a:cs typeface="Arial" panose="020B0604020202020204" pitchFamily="34" charset="0"/>
+              </a:rPr>
+              <a:t> </a:t>
+            </a:r>
+          </a:p>
+          <a:p>
+            <a:pPr marL="457200" indent="-457200" algn="just">
+              <a:buFont typeface="+mj-lt"/>
+              <a:buAutoNum type="arabicPeriod"/>
+            </a:pPr>
+            <a:endParaRPr lang="pt-BR" sz="2400" dirty="0">
+              <a:latin typeface="Arial" panose="020B0604020202020204" pitchFamily="34" charset="0"/>
+              <a:cs typeface="Arial" panose="020B0604020202020204" pitchFamily="34" charset="0"/>
+            </a:endParaRPr>
+          </a:p>
+          <a:p>
+            <a:pPr marL="457200" indent="-457200" algn="just">
+              <a:buFont typeface="+mj-lt"/>
+              <a:buAutoNum type="arabicPeriod"/>
+            </a:pPr>
+            <a:r>
+              <a:rPr lang="pt-BR" sz="2400" dirty="0">
+                <a:latin typeface="Arial" panose="020B0604020202020204" pitchFamily="34" charset="0"/>
+                <a:cs typeface="Arial" panose="020B0604020202020204" pitchFamily="34" charset="0"/>
+                <a:hlinkClick r:id="rId5"/>
+              </a:rPr>
+              <a:t>https://github.com/PauloGoncalvesBH/aprenda-tdd-na-pratica</a:t>
             </a:r>
             <a:endParaRPr lang="pt-BR" sz="2400" dirty="0"/>
           </a:p>
@@ -19090,6 +19202,494 @@
           </a:p>
         </p:txBody>
       </p:sp>
+    </p:spTree>
+    <p:extLst>
+      <p:ext uri="{BB962C8B-B14F-4D97-AF65-F5344CB8AC3E}">
+        <p14:creationId xmlns:p14="http://schemas.microsoft.com/office/powerpoint/2010/main" val="3500178499"/>
+      </p:ext>
+    </p:extLst>
+  </p:cSld>
+  <p:clrMapOvr>
+    <a:masterClrMapping/>
+  </p:clrMapOvr>
+  <p:transition spd="med"/>
+</p:sld>
+</file>
+
+<file path=ppt/slides/slide35.xml><?xml version="1.0" encoding="utf-8"?>
+<p:sld xmlns:a="http://schemas.openxmlformats.org/drawingml/2006/main" xmlns:r="http://schemas.openxmlformats.org/officeDocument/2006/relationships" xmlns:p="http://schemas.openxmlformats.org/presentationml/2006/main">
+  <p:cSld>
+    <p:spTree>
+      <p:nvGrpSpPr>
+        <p:cNvPr id="1" name=""/>
+        <p:cNvGrpSpPr/>
+        <p:nvPr/>
+      </p:nvGrpSpPr>
+      <p:grpSpPr>
+        <a:xfrm>
+          <a:off x="0" y="0"/>
+          <a:ext cx="0" cy="0"/>
+          <a:chOff x="0" y="0"/>
+          <a:chExt cx="0" cy="0"/>
+        </a:xfrm>
+      </p:grpSpPr>
+      <p:sp>
+        <p:nvSpPr>
+          <p:cNvPr id="6" name="Title 1"/>
+          <p:cNvSpPr>
+            <a:spLocks noGrp="1"/>
+          </p:cNvSpPr>
+          <p:nvPr>
+            <p:ph type="title"/>
+          </p:nvPr>
+        </p:nvSpPr>
+        <p:spPr>
+          <a:xfrm>
+            <a:off x="457200" y="205979"/>
+            <a:ext cx="8229600" cy="857251"/>
+          </a:xfrm>
+        </p:spPr>
+        <p:txBody>
+          <a:bodyPr/>
+          <a:lstStyle/>
+          <a:p>
+            <a:r>
+              <a:rPr lang="en-US" b="1" dirty="0" err="1">
+                <a:solidFill>
+                  <a:srgbClr val="0070C0"/>
+                </a:solidFill>
+              </a:rPr>
+              <a:t>Aprenda</a:t>
+            </a:r>
+            <a:r>
+              <a:rPr lang="en-US" b="1" dirty="0">
+                <a:solidFill>
+                  <a:srgbClr val="0070C0"/>
+                </a:solidFill>
+              </a:rPr>
+              <a:t>+ TDD - </a:t>
+            </a:r>
+            <a:r>
+              <a:rPr lang="en-US" b="1" dirty="0" err="1">
+                <a:solidFill>
+                  <a:srgbClr val="0070C0"/>
+                </a:solidFill>
+              </a:rPr>
+              <a:t>Vídeos</a:t>
+            </a:r>
+            <a:endParaRPr lang="en-US" b="1" dirty="0">
+              <a:solidFill>
+                <a:srgbClr val="0070C0"/>
+              </a:solidFill>
+            </a:endParaRPr>
+          </a:p>
+        </p:txBody>
+      </p:sp>
+      <p:sp>
+        <p:nvSpPr>
+          <p:cNvPr id="8" name="Text Placeholder 2"/>
+          <p:cNvSpPr>
+            <a:spLocks noGrp="1"/>
+          </p:cNvSpPr>
+          <p:nvPr>
+            <p:ph type="body" sz="half" idx="1"/>
+          </p:nvPr>
+        </p:nvSpPr>
+        <p:spPr>
+          <a:xfrm>
+            <a:off x="157152" y="1344741"/>
+            <a:ext cx="8815396" cy="3430459"/>
+          </a:xfrm>
+        </p:spPr>
+        <p:txBody>
+          <a:bodyPr>
+            <a:noAutofit/>
+          </a:bodyPr>
+          <a:lstStyle/>
+          <a:p>
+            <a:pPr marL="0" indent="0" algn="just">
+              <a:buNone/>
+            </a:pPr>
+            <a:r>
+              <a:rPr lang="pt-BR" sz="2400" dirty="0">
+                <a:latin typeface="Arial" panose="020B0604020202020204" pitchFamily="34" charset="0"/>
+                <a:cs typeface="Arial" panose="020B0604020202020204" pitchFamily="34" charset="0"/>
+              </a:rPr>
+              <a:t>1. (Java com </a:t>
+            </a:r>
+            <a:r>
+              <a:rPr lang="pt-BR" sz="2400" dirty="0" err="1">
+                <a:latin typeface="Arial" panose="020B0604020202020204" pitchFamily="34" charset="0"/>
+                <a:cs typeface="Arial" panose="020B0604020202020204" pitchFamily="34" charset="0"/>
+              </a:rPr>
+              <a:t>JUnit</a:t>
+            </a:r>
+            <a:r>
+              <a:rPr lang="pt-BR" sz="2400" dirty="0">
+                <a:latin typeface="Arial" panose="020B0604020202020204" pitchFamily="34" charset="0"/>
+                <a:cs typeface="Arial" panose="020B0604020202020204" pitchFamily="34" charset="0"/>
+              </a:rPr>
+              <a:t>)</a:t>
+            </a:r>
+          </a:p>
+          <a:p>
+            <a:pPr marL="0" indent="0" algn="just">
+              <a:buNone/>
+            </a:pPr>
+            <a:r>
+              <a:rPr lang="pt-BR" sz="2400" dirty="0">
+                <a:latin typeface="Arial" panose="020B0604020202020204" pitchFamily="34" charset="0"/>
+                <a:cs typeface="Arial" panose="020B0604020202020204" pitchFamily="34" charset="0"/>
+                <a:hlinkClick r:id="rId3"/>
+              </a:rPr>
+              <a:t>https://www.youtube.com/watch?v=G7S5JMj8vY4</a:t>
+            </a:r>
+            <a:endParaRPr lang="pt-BR" sz="2400" dirty="0">
+              <a:latin typeface="Arial" panose="020B0604020202020204" pitchFamily="34" charset="0"/>
+              <a:cs typeface="Arial" panose="020B0604020202020204" pitchFamily="34" charset="0"/>
+            </a:endParaRPr>
+          </a:p>
+          <a:p>
+            <a:pPr marL="0" indent="0" algn="just">
+              <a:buNone/>
+            </a:pPr>
+            <a:endParaRPr lang="pt-BR" sz="2400" dirty="0">
+              <a:latin typeface="Arial" panose="020B0604020202020204" pitchFamily="34" charset="0"/>
+              <a:cs typeface="Arial" panose="020B0604020202020204" pitchFamily="34" charset="0"/>
+            </a:endParaRPr>
+          </a:p>
+          <a:p>
+            <a:pPr marL="0" indent="0" algn="just">
+              <a:buNone/>
+            </a:pPr>
+            <a:endParaRPr lang="pt-BR" sz="2400" dirty="0">
+              <a:latin typeface="Arial" panose="020B0604020202020204" pitchFamily="34" charset="0"/>
+              <a:cs typeface="Arial" panose="020B0604020202020204" pitchFamily="34" charset="0"/>
+            </a:endParaRPr>
+          </a:p>
+          <a:p>
+            <a:pPr marL="0" indent="0" algn="just">
+              <a:buNone/>
+            </a:pPr>
+            <a:r>
+              <a:rPr lang="pt-BR" sz="2400" dirty="0">
+                <a:latin typeface="Arial" panose="020B0604020202020204" pitchFamily="34" charset="0"/>
+                <a:cs typeface="Arial" panose="020B0604020202020204" pitchFamily="34" charset="0"/>
+              </a:rPr>
+              <a:t>2. (Java)	</a:t>
+            </a:r>
+          </a:p>
+          <a:p>
+            <a:pPr marL="0" indent="0" algn="just">
+              <a:buNone/>
+            </a:pPr>
+            <a:r>
+              <a:rPr lang="pt-BR" sz="2400" dirty="0">
+                <a:latin typeface="Arial" panose="020B0604020202020204" pitchFamily="34" charset="0"/>
+                <a:cs typeface="Arial" panose="020B0604020202020204" pitchFamily="34" charset="0"/>
+                <a:hlinkClick r:id="rId4"/>
+              </a:rPr>
+              <a:t>https://www.youtube.com/watch?v=wvwwR8_nnNA</a:t>
+            </a:r>
+            <a:endParaRPr lang="pt-BR" sz="2400" dirty="0">
+              <a:latin typeface="Arial" panose="020B0604020202020204" pitchFamily="34" charset="0"/>
+              <a:cs typeface="Arial" panose="020B0604020202020204" pitchFamily="34" charset="0"/>
+            </a:endParaRPr>
+          </a:p>
+        </p:txBody>
+      </p:sp>
+      <p:sp>
+        <p:nvSpPr>
+          <p:cNvPr id="11" name="Text Placeholder 2"/>
+          <p:cNvSpPr txBox="1"/>
+          <p:nvPr/>
+        </p:nvSpPr>
+        <p:spPr>
+          <a:xfrm>
+            <a:off x="252400" y="887541"/>
+            <a:ext cx="8572500" cy="3733924"/>
+          </a:xfrm>
+          <a:prstGeom prst="rect">
+            <a:avLst/>
+          </a:prstGeom>
+          <a:ln w="12700">
+            <a:miter lim="400000"/>
+          </a:ln>
+        </p:spPr>
+        <p:txBody>
+          <a:bodyPr lIns="45718" tIns="45718" rIns="45718" bIns="45718">
+            <a:noAutofit/>
+          </a:bodyPr>
+          <a:lstStyle>
+            <a:lvl1pPr marL="342900" marR="0" indent="-342900" algn="l" defTabSz="457200" rtl="0" latinLnBrk="0">
+              <a:lnSpc>
+                <a:spcPct val="100000"/>
+              </a:lnSpc>
+              <a:spcBef>
+                <a:spcPts val="600"/>
+              </a:spcBef>
+              <a:spcAft>
+                <a:spcPts val="0"/>
+              </a:spcAft>
+              <a:buClrTx/>
+              <a:buSzPct val="100000"/>
+              <a:buFont typeface="Arial" panose="020B0604020202020204"/>
+              <a:buChar char="•"/>
+              <a:defRPr sz="2800" b="0" i="0" u="none" strike="noStrike" cap="none" spc="0" baseline="0">
+                <a:ln>
+                  <a:noFill/>
+                </a:ln>
+                <a:solidFill>
+                  <a:srgbClr val="000000"/>
+                </a:solidFill>
+                <a:uFillTx/>
+                <a:latin typeface="+mj-lt"/>
+                <a:ea typeface="+mj-ea"/>
+                <a:cs typeface="+mj-cs"/>
+                <a:sym typeface="Calibri"/>
+              </a:defRPr>
+            </a:lvl1pPr>
+            <a:lvl2pPr marL="790575" marR="0" indent="-333375" algn="l" defTabSz="457200" rtl="0" latinLnBrk="0">
+              <a:lnSpc>
+                <a:spcPct val="100000"/>
+              </a:lnSpc>
+              <a:spcBef>
+                <a:spcPts val="600"/>
+              </a:spcBef>
+              <a:spcAft>
+                <a:spcPts val="0"/>
+              </a:spcAft>
+              <a:buClrTx/>
+              <a:buSzPct val="100000"/>
+              <a:buFont typeface="Arial" panose="020B0604020202020204"/>
+              <a:buChar char="–"/>
+              <a:defRPr sz="2800" b="0" i="0" u="none" strike="noStrike" cap="none" spc="0" baseline="0">
+                <a:ln>
+                  <a:noFill/>
+                </a:ln>
+                <a:solidFill>
+                  <a:srgbClr val="000000"/>
+                </a:solidFill>
+                <a:uFillTx/>
+                <a:latin typeface="+mj-lt"/>
+                <a:ea typeface="+mj-ea"/>
+                <a:cs typeface="+mj-cs"/>
+                <a:sym typeface="Calibri"/>
+              </a:defRPr>
+            </a:lvl2pPr>
+            <a:lvl3pPr marL="1234440" marR="0" indent="-320040" algn="l" defTabSz="457200" rtl="0" latinLnBrk="0">
+              <a:lnSpc>
+                <a:spcPct val="100000"/>
+              </a:lnSpc>
+              <a:spcBef>
+                <a:spcPts val="600"/>
+              </a:spcBef>
+              <a:spcAft>
+                <a:spcPts val="0"/>
+              </a:spcAft>
+              <a:buClrTx/>
+              <a:buSzPct val="100000"/>
+              <a:buFont typeface="Arial" panose="020B0604020202020204"/>
+              <a:buChar char="•"/>
+              <a:defRPr sz="2800" b="0" i="0" u="none" strike="noStrike" cap="none" spc="0" baseline="0">
+                <a:ln>
+                  <a:noFill/>
+                </a:ln>
+                <a:solidFill>
+                  <a:srgbClr val="000000"/>
+                </a:solidFill>
+                <a:uFillTx/>
+                <a:latin typeface="+mj-lt"/>
+                <a:ea typeface="+mj-ea"/>
+                <a:cs typeface="+mj-cs"/>
+                <a:sym typeface="Calibri"/>
+              </a:defRPr>
+            </a:lvl3pPr>
+            <a:lvl4pPr marL="1727200" marR="0" indent="-355600" algn="l" defTabSz="457200" rtl="0" latinLnBrk="0">
+              <a:lnSpc>
+                <a:spcPct val="100000"/>
+              </a:lnSpc>
+              <a:spcBef>
+                <a:spcPts val="600"/>
+              </a:spcBef>
+              <a:spcAft>
+                <a:spcPts val="0"/>
+              </a:spcAft>
+              <a:buClrTx/>
+              <a:buSzPct val="100000"/>
+              <a:buFont typeface="Arial" panose="020B0604020202020204"/>
+              <a:buChar char="–"/>
+              <a:defRPr sz="2800" b="0" i="0" u="none" strike="noStrike" cap="none" spc="0" baseline="0">
+                <a:ln>
+                  <a:noFill/>
+                </a:ln>
+                <a:solidFill>
+                  <a:srgbClr val="000000"/>
+                </a:solidFill>
+                <a:uFillTx/>
+                <a:latin typeface="+mj-lt"/>
+                <a:ea typeface="+mj-ea"/>
+                <a:cs typeface="+mj-cs"/>
+                <a:sym typeface="Calibri"/>
+              </a:defRPr>
+            </a:lvl4pPr>
+            <a:lvl5pPr marL="2184400" marR="0" indent="-355600" algn="l" defTabSz="457200" rtl="0" latinLnBrk="0">
+              <a:lnSpc>
+                <a:spcPct val="100000"/>
+              </a:lnSpc>
+              <a:spcBef>
+                <a:spcPts val="600"/>
+              </a:spcBef>
+              <a:spcAft>
+                <a:spcPts val="0"/>
+              </a:spcAft>
+              <a:buClrTx/>
+              <a:buSzPct val="100000"/>
+              <a:buFont typeface="Arial" panose="020B0604020202020204"/>
+              <a:buChar char="»"/>
+              <a:defRPr sz="2800" b="0" i="0" u="none" strike="noStrike" cap="none" spc="0" baseline="0">
+                <a:ln>
+                  <a:noFill/>
+                </a:ln>
+                <a:solidFill>
+                  <a:srgbClr val="000000"/>
+                </a:solidFill>
+                <a:uFillTx/>
+                <a:latin typeface="+mj-lt"/>
+                <a:ea typeface="+mj-ea"/>
+                <a:cs typeface="+mj-cs"/>
+                <a:sym typeface="Calibri"/>
+              </a:defRPr>
+            </a:lvl5pPr>
+            <a:lvl6pPr marL="2651760" marR="0" indent="-365760" algn="l" defTabSz="457200" rtl="0" latinLnBrk="0">
+              <a:lnSpc>
+                <a:spcPct val="100000"/>
+              </a:lnSpc>
+              <a:spcBef>
+                <a:spcPts val="700"/>
+              </a:spcBef>
+              <a:spcAft>
+                <a:spcPts val="0"/>
+              </a:spcAft>
+              <a:buClrTx/>
+              <a:buSzPct val="100000"/>
+              <a:buFont typeface="Arial" panose="020B0604020202020204"/>
+              <a:buChar char="•"/>
+              <a:defRPr sz="3200" b="0" i="0" u="none" strike="noStrike" cap="none" spc="0" baseline="0">
+                <a:ln>
+                  <a:noFill/>
+                </a:ln>
+                <a:solidFill>
+                  <a:srgbClr val="000000"/>
+                </a:solidFill>
+                <a:uFillTx/>
+                <a:latin typeface="+mj-lt"/>
+                <a:ea typeface="+mj-ea"/>
+                <a:cs typeface="+mj-cs"/>
+                <a:sym typeface="Calibri"/>
+              </a:defRPr>
+            </a:lvl6pPr>
+            <a:lvl7pPr marL="3108960" marR="0" indent="-365760" algn="l" defTabSz="457200" rtl="0" latinLnBrk="0">
+              <a:lnSpc>
+                <a:spcPct val="100000"/>
+              </a:lnSpc>
+              <a:spcBef>
+                <a:spcPts val="700"/>
+              </a:spcBef>
+              <a:spcAft>
+                <a:spcPts val="0"/>
+              </a:spcAft>
+              <a:buClrTx/>
+              <a:buSzPct val="100000"/>
+              <a:buFont typeface="Arial" panose="020B0604020202020204"/>
+              <a:buChar char="•"/>
+              <a:defRPr sz="3200" b="0" i="0" u="none" strike="noStrike" cap="none" spc="0" baseline="0">
+                <a:ln>
+                  <a:noFill/>
+                </a:ln>
+                <a:solidFill>
+                  <a:srgbClr val="000000"/>
+                </a:solidFill>
+                <a:uFillTx/>
+                <a:latin typeface="+mj-lt"/>
+                <a:ea typeface="+mj-ea"/>
+                <a:cs typeface="+mj-cs"/>
+                <a:sym typeface="Calibri"/>
+              </a:defRPr>
+            </a:lvl7pPr>
+            <a:lvl8pPr marL="3566160" marR="0" indent="-365760" algn="l" defTabSz="457200" rtl="0" latinLnBrk="0">
+              <a:lnSpc>
+                <a:spcPct val="100000"/>
+              </a:lnSpc>
+              <a:spcBef>
+                <a:spcPts val="700"/>
+              </a:spcBef>
+              <a:spcAft>
+                <a:spcPts val="0"/>
+              </a:spcAft>
+              <a:buClrTx/>
+              <a:buSzPct val="100000"/>
+              <a:buFont typeface="Arial" panose="020B0604020202020204"/>
+              <a:buChar char="•"/>
+              <a:defRPr sz="3200" b="0" i="0" u="none" strike="noStrike" cap="none" spc="0" baseline="0">
+                <a:ln>
+                  <a:noFill/>
+                </a:ln>
+                <a:solidFill>
+                  <a:srgbClr val="000000"/>
+                </a:solidFill>
+                <a:uFillTx/>
+                <a:latin typeface="+mj-lt"/>
+                <a:ea typeface="+mj-ea"/>
+                <a:cs typeface="+mj-cs"/>
+                <a:sym typeface="Calibri"/>
+              </a:defRPr>
+            </a:lvl8pPr>
+            <a:lvl9pPr marL="4023360" marR="0" indent="-365760" algn="l" defTabSz="457200" rtl="0" latinLnBrk="0">
+              <a:lnSpc>
+                <a:spcPct val="100000"/>
+              </a:lnSpc>
+              <a:spcBef>
+                <a:spcPts val="700"/>
+              </a:spcBef>
+              <a:spcAft>
+                <a:spcPts val="0"/>
+              </a:spcAft>
+              <a:buClrTx/>
+              <a:buSzPct val="100000"/>
+              <a:buFont typeface="Arial" panose="020B0604020202020204"/>
+              <a:buChar char="•"/>
+              <a:defRPr sz="3200" b="0" i="0" u="none" strike="noStrike" cap="none" spc="0" baseline="0">
+                <a:ln>
+                  <a:noFill/>
+                </a:ln>
+                <a:solidFill>
+                  <a:srgbClr val="000000"/>
+                </a:solidFill>
+                <a:uFillTx/>
+                <a:latin typeface="+mj-lt"/>
+                <a:ea typeface="+mj-ea"/>
+                <a:cs typeface="+mj-cs"/>
+                <a:sym typeface="Calibri"/>
+              </a:defRPr>
+            </a:lvl9pPr>
+          </a:lstStyle>
+          <a:p>
+            <a:pPr marL="0" indent="0" algn="just" hangingPunct="1">
+              <a:buFont typeface="Arial" panose="020B0604020202020204"/>
+              <a:buNone/>
+            </a:pPr>
+            <a:endParaRPr lang="pt-BR" sz="2400" dirty="0"/>
+          </a:p>
+          <a:p>
+            <a:pPr marL="0" indent="0" algn="just" hangingPunct="1">
+              <a:buFont typeface="Arial" panose="020B0604020202020204"/>
+              <a:buNone/>
+            </a:pPr>
+            <a:endParaRPr lang="pt-BR" b="1" u="sng" dirty="0"/>
+          </a:p>
+        </p:txBody>
+      </p:sp>
       <p:sp>
         <p:nvSpPr>
           <p:cNvPr id="5" name="Text Placeholder 2"/>
@@ -19425,7 +20025,7 @@
     </p:spTree>
     <p:extLst>
       <p:ext uri="{BB962C8B-B14F-4D97-AF65-F5344CB8AC3E}">
-        <p14:creationId xmlns:p14="http://schemas.microsoft.com/office/powerpoint/2010/main" val="3500178499"/>
+        <p14:creationId xmlns:p14="http://schemas.microsoft.com/office/powerpoint/2010/main" val="296319082"/>
       </p:ext>
     </p:extLst>
   </p:cSld>
@@ -19436,7 +20036,7 @@
 </p:sld>
 </file>
 
-<file path=ppt/slides/slide35.xml><?xml version="1.0" encoding="utf-8"?>
+<file path=ppt/slides/slide36.xml><?xml version="1.0" encoding="utf-8"?>
 <p:sld xmlns:a="http://schemas.openxmlformats.org/drawingml/2006/main" xmlns:r="http://schemas.openxmlformats.org/officeDocument/2006/relationships" xmlns:p="http://schemas.openxmlformats.org/presentationml/2006/main">
   <p:cSld>
     <p:spTree>
@@ -20754,7 +21354,27 @@
             </a:pPr>
             <a:r>
               <a:rPr lang="pt-BR" sz="2400" dirty="0"/>
-              <a:t>Mantis</a:t>
+              <a:t>Mantis; </a:t>
+            </a:r>
+            <a:r>
+              <a:rPr lang="pt-BR" sz="2400" dirty="0" err="1"/>
+              <a:t>Junit</a:t>
+            </a:r>
+            <a:r>
+              <a:rPr lang="pt-BR" sz="2400" dirty="0"/>
+              <a:t> (</a:t>
+            </a:r>
+            <a:r>
+              <a:rPr lang="pt-BR" sz="2400" b="1" dirty="0">
+                <a:solidFill>
+                  <a:srgbClr val="FF0000"/>
+                </a:solidFill>
+              </a:rPr>
+              <a:t>Java</a:t>
+            </a:r>
+            <a:r>
+              <a:rPr lang="pt-BR" sz="2400" dirty="0"/>
+              <a:t>)</a:t>
             </a:r>
           </a:p>
           <a:p>
